--- a/Auszubildenden Verwaltungssystem.pptx
+++ b/Auszubildenden Verwaltungssystem.pptx
@@ -126,7 +126,7 @@
             <a:srgbClr val="A4A3A4"/>
           </p15:clr>
         </p15:guide>
-        <p15:guide id="3" pos="1632" userDrawn="1">
+        <p15:guide id="3" pos="528" userDrawn="1">
           <p15:clr>
             <a:srgbClr val="A4A3A4"/>
           </p15:clr>
@@ -136,7 +136,7 @@
             <a:srgbClr val="A4A3A4"/>
           </p15:clr>
         </p15:guide>
-        <p15:guide id="5" orient="horz" pos="1272" userDrawn="1">
+        <p15:guide id="5" orient="horz" pos="3240" userDrawn="1">
           <p15:clr>
             <a:srgbClr val="A4A3A4"/>
           </p15:clr>
@@ -229,7 +229,7 @@
           <a:p>
             <a:fld id="{9BB59086-5F44-45D5-A575-EDDADCC2B505}" type="datetimeFigureOut">
               <a:rPr lang="en-US" smtClean="0"/>
-              <a:t>6/4/2021</a:t>
+              <a:t>6/6/2021</a:t>
             </a:fld>
             <a:endParaRPr lang="en-US"/>
           </a:p>
@@ -730,7 +730,7 @@
           <a:p>
             <a:fld id="{2C7E849F-BAF6-4C6D-9085-0A13514F3D08}" type="datetime1">
               <a:rPr lang="en-US" smtClean="0"/>
-              <a:t>6/4/2021</a:t>
+              <a:t>6/6/2021</a:t>
             </a:fld>
             <a:endParaRPr lang="en-US"/>
           </a:p>
@@ -930,7 +930,7 @@
           <a:p>
             <a:fld id="{0BF73752-FC71-40FD-A77E-6A1B9FD54918}" type="datetime1">
               <a:rPr lang="en-US" smtClean="0"/>
-              <a:t>6/4/2021</a:t>
+              <a:t>6/6/2021</a:t>
             </a:fld>
             <a:endParaRPr lang="en-US"/>
           </a:p>
@@ -1140,7 +1140,7 @@
           <a:p>
             <a:fld id="{1D2D0C79-6C6F-41CF-AA6D-C1EBBB03A21F}" type="datetime1">
               <a:rPr lang="en-US" smtClean="0"/>
-              <a:t>6/4/2021</a:t>
+              <a:t>6/6/2021</a:t>
             </a:fld>
             <a:endParaRPr lang="en-US"/>
           </a:p>
@@ -1340,7 +1340,7 @@
           <a:p>
             <a:fld id="{83A7F25B-10B0-43BF-ABF8-3A60DECE8302}" type="datetime1">
               <a:rPr lang="en-US" smtClean="0"/>
-              <a:t>6/4/2021</a:t>
+              <a:t>6/6/2021</a:t>
             </a:fld>
             <a:endParaRPr lang="en-US"/>
           </a:p>
@@ -1616,7 +1616,7 @@
           <a:p>
             <a:fld id="{BDB3D96F-1C71-473A-AB1B-4210EA5D3BBC}" type="datetime1">
               <a:rPr lang="en-US" smtClean="0"/>
-              <a:t>6/4/2021</a:t>
+              <a:t>6/6/2021</a:t>
             </a:fld>
             <a:endParaRPr lang="en-US"/>
           </a:p>
@@ -1884,7 +1884,7 @@
           <a:p>
             <a:fld id="{12FEB268-6E43-4B67-A5E0-B60D02FF589D}" type="datetime1">
               <a:rPr lang="en-US" smtClean="0"/>
-              <a:t>6/4/2021</a:t>
+              <a:t>6/6/2021</a:t>
             </a:fld>
             <a:endParaRPr lang="en-US"/>
           </a:p>
@@ -2299,7 +2299,7 @@
           <a:p>
             <a:fld id="{B4171674-8A59-446B-9843-55B1DD7DD758}" type="datetime1">
               <a:rPr lang="en-US" smtClean="0"/>
-              <a:t>6/4/2021</a:t>
+              <a:t>6/6/2021</a:t>
             </a:fld>
             <a:endParaRPr lang="en-US"/>
           </a:p>
@@ -2441,7 +2441,7 @@
           <a:p>
             <a:fld id="{2E0EC46D-D099-42AC-867D-3AB47EEB51EB}" type="datetime1">
               <a:rPr lang="en-US" smtClean="0"/>
-              <a:t>6/4/2021</a:t>
+              <a:t>6/6/2021</a:t>
             </a:fld>
             <a:endParaRPr lang="en-US"/>
           </a:p>
@@ -2554,7 +2554,7 @@
           <a:p>
             <a:fld id="{B41743CA-F2F1-4909-93D8-74AE7A3619F0}" type="datetime1">
               <a:rPr lang="en-US" smtClean="0"/>
-              <a:t>6/4/2021</a:t>
+              <a:t>6/6/2021</a:t>
             </a:fld>
             <a:endParaRPr lang="en-US"/>
           </a:p>
@@ -2867,7 +2867,7 @@
           <a:p>
             <a:fld id="{E8BBBDDC-B19D-412F-A7BF-9841AE449926}" type="datetime1">
               <a:rPr lang="en-US" smtClean="0"/>
-              <a:t>6/4/2021</a:t>
+              <a:t>6/6/2021</a:t>
             </a:fld>
             <a:endParaRPr lang="en-US"/>
           </a:p>
@@ -3156,7 +3156,7 @@
           <a:p>
             <a:fld id="{6D572D86-2016-4BA6-A0C7-DA70CAC52E22}" type="datetime1">
               <a:rPr lang="en-US" smtClean="0"/>
-              <a:t>6/4/2021</a:t>
+              <a:t>6/6/2021</a:t>
             </a:fld>
             <a:endParaRPr lang="en-US"/>
           </a:p>
@@ -3399,7 +3399,7 @@
           <a:p>
             <a:fld id="{604F3503-0743-4D35-B74B-BCB081EA7D83}" type="datetime1">
               <a:rPr lang="en-US" smtClean="0"/>
-              <a:t>6/4/2021</a:t>
+              <a:t>6/6/2021</a:t>
             </a:fld>
             <a:endParaRPr lang="en-US"/>
           </a:p>
@@ -7576,8 +7576,8 @@
         </p:blipFill>
         <p:spPr>
           <a:xfrm>
-            <a:off x="1732163" y="4762500"/>
-            <a:ext cx="2301178" cy="1282508"/>
+            <a:off x="872990" y="3957306"/>
+            <a:ext cx="1447708" cy="806847"/>
           </a:xfrm>
           <a:prstGeom prst="rect">
             <a:avLst/>
@@ -7612,8 +7612,8 @@
         </p:blipFill>
         <p:spPr>
           <a:xfrm>
-            <a:off x="2432837" y="1609725"/>
-            <a:ext cx="1183035" cy="1183035"/>
+            <a:off x="1119029" y="1607087"/>
+            <a:ext cx="939324" cy="939324"/>
           </a:xfrm>
           <a:prstGeom prst="rect">
             <a:avLst/>
@@ -7648,8 +7648,8 @@
         </p:blipFill>
         <p:spPr>
           <a:xfrm>
-            <a:off x="2432837" y="3290197"/>
-            <a:ext cx="1183036" cy="1183036"/>
+            <a:off x="1119029" y="2779131"/>
+            <a:ext cx="945455" cy="945455"/>
           </a:xfrm>
           <a:prstGeom prst="rect">
             <a:avLst/>
@@ -7692,6 +7692,193 @@
           </a:prstGeom>
         </p:spPr>
       </p:pic>
+      <p:pic>
+        <p:nvPicPr>
+          <p:cNvPr id="10" name="Picture 9">
+            <a:extLst>
+              <a:ext uri="{FF2B5EF4-FFF2-40B4-BE49-F238E27FC236}">
+                <a16:creationId xmlns:a16="http://schemas.microsoft.com/office/drawing/2014/main" id="{C8E47DB2-ED54-4853-90F0-429952CA022F}"/>
+              </a:ext>
+            </a:extLst>
+          </p:cNvPr>
+          <p:cNvPicPr>
+            <a:picLocks noChangeAspect="1"/>
+          </p:cNvPicPr>
+          <p:nvPr/>
+        </p:nvPicPr>
+        <p:blipFill>
+          <a:blip r:embed="rId6">
+            <a:extLst>
+              <a:ext uri="{28A0092B-C50C-407E-A947-70E740481C1C}">
+                <a14:useLocalDpi xmlns:a14="http://schemas.microsoft.com/office/drawing/2010/main" val="0"/>
+              </a:ext>
+            </a:extLst>
+          </a:blip>
+          <a:stretch>
+            <a:fillRect/>
+          </a:stretch>
+        </p:blipFill>
+        <p:spPr>
+          <a:xfrm>
+            <a:off x="738741" y="5221307"/>
+            <a:ext cx="1716206" cy="503597"/>
+          </a:xfrm>
+          <a:prstGeom prst="rect">
+            <a:avLst/>
+          </a:prstGeom>
+        </p:spPr>
+      </p:pic>
+      <p:sp>
+        <p:nvSpPr>
+          <p:cNvPr id="11" name="TextBox 10">
+            <a:extLst>
+              <a:ext uri="{FF2B5EF4-FFF2-40B4-BE49-F238E27FC236}">
+                <a16:creationId xmlns:a16="http://schemas.microsoft.com/office/drawing/2014/main" id="{291C733E-5897-42E8-BBDD-74776F84D9FE}"/>
+              </a:ext>
+            </a:extLst>
+          </p:cNvPr>
+          <p:cNvSpPr txBox="1"/>
+          <p:nvPr/>
+        </p:nvSpPr>
+        <p:spPr>
+          <a:xfrm>
+            <a:off x="2089710" y="1878119"/>
+            <a:ext cx="4006290" cy="369332"/>
+          </a:xfrm>
+          <a:prstGeom prst="rect">
+            <a:avLst/>
+          </a:prstGeom>
+          <a:noFill/>
+        </p:spPr>
+        <p:txBody>
+          <a:bodyPr wrap="none" rtlCol="0">
+            <a:spAutoFit/>
+          </a:bodyPr>
+          <a:lstStyle/>
+          <a:p>
+            <a:r>
+              <a:rPr lang="de-DE" dirty="0"/>
+              <a:t>IDE (integrierte Entwicklungsumgebung)</a:t>
+            </a:r>
+          </a:p>
+        </p:txBody>
+      </p:sp>
+      <p:sp>
+        <p:nvSpPr>
+          <p:cNvPr id="15" name="TextBox 14">
+            <a:extLst>
+              <a:ext uri="{FF2B5EF4-FFF2-40B4-BE49-F238E27FC236}">
+                <a16:creationId xmlns:a16="http://schemas.microsoft.com/office/drawing/2014/main" id="{8FF31A6A-BCA9-4517-A6AF-09FE55A63883}"/>
+              </a:ext>
+            </a:extLst>
+          </p:cNvPr>
+          <p:cNvSpPr txBox="1"/>
+          <p:nvPr/>
+        </p:nvSpPr>
+        <p:spPr>
+          <a:xfrm>
+            <a:off x="2089710" y="3209148"/>
+            <a:ext cx="2837636" cy="369332"/>
+          </a:xfrm>
+          <a:prstGeom prst="rect">
+            <a:avLst/>
+          </a:prstGeom>
+          <a:noFill/>
+        </p:spPr>
+        <p:txBody>
+          <a:bodyPr wrap="none" rtlCol="0">
+            <a:spAutoFit/>
+          </a:bodyPr>
+          <a:lstStyle/>
+          <a:p>
+            <a:r>
+              <a:rPr lang="de-DE" dirty="0"/>
+              <a:t>WAMP (Softwaresammlung)</a:t>
+            </a:r>
+          </a:p>
+        </p:txBody>
+      </p:sp>
+      <p:sp>
+        <p:nvSpPr>
+          <p:cNvPr id="16" name="TextBox 15">
+            <a:extLst>
+              <a:ext uri="{FF2B5EF4-FFF2-40B4-BE49-F238E27FC236}">
+                <a16:creationId xmlns:a16="http://schemas.microsoft.com/office/drawing/2014/main" id="{147DD3B6-9072-434A-9799-B3F318F82F30}"/>
+              </a:ext>
+            </a:extLst>
+          </p:cNvPr>
+          <p:cNvSpPr txBox="1"/>
+          <p:nvPr/>
+        </p:nvSpPr>
+        <p:spPr>
+          <a:xfrm>
+            <a:off x="2454947" y="4394821"/>
+            <a:ext cx="3648563" cy="369332"/>
+          </a:xfrm>
+          <a:prstGeom prst="rect">
+            <a:avLst/>
+          </a:prstGeom>
+          <a:noFill/>
+        </p:spPr>
+        <p:txBody>
+          <a:bodyPr wrap="none" rtlCol="0">
+            <a:spAutoFit/>
+          </a:bodyPr>
+          <a:lstStyle/>
+          <a:p>
+            <a:r>
+              <a:rPr lang="de-DE" sz="1800" dirty="0">
+                <a:effectLst/>
+                <a:latin typeface="Calibri" panose="020F0502020204030204" pitchFamily="34" charset="0"/>
+                <a:ea typeface="Calibri" panose="020F0502020204030204" pitchFamily="34" charset="0"/>
+              </a:rPr>
+              <a:t>Administrationswerkzeug für MySQL </a:t>
+            </a:r>
+            <a:endParaRPr lang="de-DE" dirty="0"/>
+          </a:p>
+        </p:txBody>
+      </p:sp>
+      <p:sp>
+        <p:nvSpPr>
+          <p:cNvPr id="18" name="TextBox 17">
+            <a:extLst>
+              <a:ext uri="{FF2B5EF4-FFF2-40B4-BE49-F238E27FC236}">
+                <a16:creationId xmlns:a16="http://schemas.microsoft.com/office/drawing/2014/main" id="{B00B9BAF-25C8-47A9-9009-80EBBA04FCFD}"/>
+              </a:ext>
+            </a:extLst>
+          </p:cNvPr>
+          <p:cNvSpPr txBox="1"/>
+          <p:nvPr/>
+        </p:nvSpPr>
+        <p:spPr>
+          <a:xfrm>
+            <a:off x="2454947" y="5264037"/>
+            <a:ext cx="1381917" cy="369332"/>
+          </a:xfrm>
+          <a:prstGeom prst="rect">
+            <a:avLst/>
+          </a:prstGeom>
+          <a:noFill/>
+        </p:spPr>
+        <p:txBody>
+          <a:bodyPr wrap="none" rtlCol="0">
+            <a:spAutoFit/>
+          </a:bodyPr>
+          <a:lstStyle/>
+          <a:p>
+            <a:r>
+              <a:rPr lang="de-DE" sz="1800" dirty="0">
+                <a:effectLst/>
+                <a:latin typeface="Calibri" panose="020F0502020204030204" pitchFamily="34" charset="0"/>
+                <a:ea typeface="Calibri" panose="020F0502020204030204" pitchFamily="34" charset="0"/>
+                <a:cs typeface="Arial" panose="020B0604020202020204" pitchFamily="34" charset="0"/>
+              </a:rPr>
+              <a:t>HTTP Server </a:t>
+            </a:r>
+            <a:endParaRPr lang="de-DE" dirty="0"/>
+          </a:p>
+        </p:txBody>
+      </p:sp>
     </p:spTree>
     <p:extLst>
       <p:ext uri="{BB962C8B-B14F-4D97-AF65-F5344CB8AC3E}">
